--- a/class design(ver 1.2).pptx
+++ b/class design(ver 1.2).pptx
@@ -3276,10 +3276,10 @@
       </p:sp>
       <p:pic>
         <p:nvPicPr>
-          <p:cNvPr id="4" name="그림 3">
+          <p:cNvPr id="6" name="그림 5">
             <a:extLst>
               <a:ext uri="{FF2B5EF4-FFF2-40B4-BE49-F238E27FC236}">
-                <a16:creationId xmlns:a16="http://schemas.microsoft.com/office/drawing/2014/main" id="{5DA373D0-05E9-8CC6-C704-5E47650BB4BF}"/>
+                <a16:creationId xmlns:a16="http://schemas.microsoft.com/office/drawing/2014/main" id="{CB39FA3C-6184-2804-D263-2F9FCDFEFA55}"/>
               </a:ext>
             </a:extLst>
           </p:cNvPr>
@@ -3302,8 +3302,8 @@
         </p:blipFill>
         <p:spPr>
           <a:xfrm>
-            <a:off x="130378" y="1281875"/>
-            <a:ext cx="8883243" cy="5060736"/>
+            <a:off x="169317" y="1402487"/>
+            <a:ext cx="8825214" cy="4840051"/>
           </a:xfrm>
           <a:prstGeom prst="rect">
             <a:avLst/>
@@ -3964,141 +3964,6 @@
           </a:p>
         </p:txBody>
       </p:sp>
-      <p:grpSp>
-        <p:nvGrpSpPr>
-          <p:cNvPr id="8" name="그룹 7">
-            <a:extLst>
-              <a:ext uri="{FF2B5EF4-FFF2-40B4-BE49-F238E27FC236}">
-                <a16:creationId xmlns:a16="http://schemas.microsoft.com/office/drawing/2014/main" id="{A48B0AC3-B83C-EA58-40D0-7E9896E7104E}"/>
-              </a:ext>
-            </a:extLst>
-          </p:cNvPr>
-          <p:cNvGrpSpPr/>
-          <p:nvPr/>
-        </p:nvGrpSpPr>
-        <p:grpSpPr>
-          <a:xfrm>
-            <a:off x="207818" y="1366707"/>
-            <a:ext cx="8744989" cy="4626776"/>
-            <a:chOff x="648148" y="1543742"/>
-            <a:chExt cx="11370920" cy="4626776"/>
-          </a:xfrm>
-        </p:grpSpPr>
-        <p:pic>
-          <p:nvPicPr>
-            <p:cNvPr id="4" name="그림 3">
-              <a:extLst>
-                <a:ext uri="{FF2B5EF4-FFF2-40B4-BE49-F238E27FC236}">
-                  <a16:creationId xmlns:a16="http://schemas.microsoft.com/office/drawing/2014/main" id="{274CB7A7-076B-2151-180F-35373C506380}"/>
-                </a:ext>
-              </a:extLst>
-            </p:cNvPr>
-            <p:cNvPicPr>
-              <a:picLocks noChangeAspect="1"/>
-            </p:cNvPicPr>
-            <p:nvPr/>
-          </p:nvPicPr>
-          <p:blipFill>
-            <a:blip r:embed="rId2">
-              <a:extLst>
-                <a:ext uri="{28A0092B-C50C-407E-A947-70E740481C1C}">
-                  <a14:useLocalDpi xmlns:a14="http://schemas.microsoft.com/office/drawing/2010/main" val="0"/>
-                </a:ext>
-              </a:extLst>
-            </a:blip>
-            <a:stretch>
-              <a:fillRect/>
-            </a:stretch>
-          </p:blipFill>
-          <p:spPr>
-            <a:xfrm>
-              <a:off x="648148" y="1543742"/>
-              <a:ext cx="10895704" cy="1153590"/>
-            </a:xfrm>
-            <a:prstGeom prst="rect">
-              <a:avLst/>
-            </a:prstGeom>
-          </p:spPr>
-        </p:pic>
-        <p:pic>
-          <p:nvPicPr>
-            <p:cNvPr id="5" name="그림 4">
-              <a:extLst>
-                <a:ext uri="{FF2B5EF4-FFF2-40B4-BE49-F238E27FC236}">
-                  <a16:creationId xmlns:a16="http://schemas.microsoft.com/office/drawing/2014/main" id="{C0EAC93E-F33E-C75E-ED8D-903E7F700D99}"/>
-                </a:ext>
-              </a:extLst>
-            </p:cNvPr>
-            <p:cNvPicPr>
-              <a:picLocks noChangeAspect="1"/>
-            </p:cNvPicPr>
-            <p:nvPr/>
-          </p:nvPicPr>
-          <p:blipFill>
-            <a:blip r:embed="rId3">
-              <a:extLst>
-                <a:ext uri="{28A0092B-C50C-407E-A947-70E740481C1C}">
-                  <a14:useLocalDpi xmlns:a14="http://schemas.microsoft.com/office/drawing/2010/main" val="0"/>
-                </a:ext>
-              </a:extLst>
-            </a:blip>
-            <a:stretch>
-              <a:fillRect/>
-            </a:stretch>
-          </p:blipFill>
-          <p:spPr>
-            <a:xfrm>
-              <a:off x="9151643" y="3512672"/>
-              <a:ext cx="2867425" cy="2657846"/>
-            </a:xfrm>
-            <a:prstGeom prst="rect">
-              <a:avLst/>
-            </a:prstGeom>
-          </p:spPr>
-        </p:pic>
-        <p:cxnSp>
-          <p:nvCxnSpPr>
-            <p:cNvPr id="6" name="직선 화살표 연결선 5">
-              <a:extLst>
-                <a:ext uri="{FF2B5EF4-FFF2-40B4-BE49-F238E27FC236}">
-                  <a16:creationId xmlns:a16="http://schemas.microsoft.com/office/drawing/2014/main" id="{2BE2E023-1639-D5D6-725A-9C2C1D946ABD}"/>
-                </a:ext>
-              </a:extLst>
-            </p:cNvPr>
-            <p:cNvCxnSpPr/>
-            <p:nvPr/>
-          </p:nvCxnSpPr>
-          <p:spPr>
-            <a:xfrm>
-              <a:off x="5659969" y="2697332"/>
-              <a:ext cx="4025051" cy="1646068"/>
-            </a:xfrm>
-            <a:prstGeom prst="straightConnector1">
-              <a:avLst/>
-            </a:prstGeom>
-            <a:ln>
-              <a:solidFill>
-                <a:schemeClr val="tx1"/>
-              </a:solidFill>
-              <a:tailEnd type="triangle"/>
-            </a:ln>
-          </p:spPr>
-          <p:style>
-            <a:lnRef idx="1">
-              <a:schemeClr val="accent1"/>
-            </a:lnRef>
-            <a:fillRef idx="0">
-              <a:schemeClr val="accent1"/>
-            </a:fillRef>
-            <a:effectRef idx="0">
-              <a:schemeClr val="accent1"/>
-            </a:effectRef>
-            <a:fontRef idx="minor">
-              <a:schemeClr val="tx1"/>
-            </a:fontRef>
-          </p:style>
-        </p:cxnSp>
-      </p:grpSp>
       <p:sp>
         <p:nvSpPr>
           <p:cNvPr id="7" name="TextBox 6">
@@ -4217,6 +4082,137 @@
           </a:p>
         </p:txBody>
       </p:sp>
+      <p:grpSp>
+        <p:nvGrpSpPr>
+          <p:cNvPr id="16" name="그룹 15">
+            <a:extLst>
+              <a:ext uri="{FF2B5EF4-FFF2-40B4-BE49-F238E27FC236}">
+                <a16:creationId xmlns:a16="http://schemas.microsoft.com/office/drawing/2014/main" id="{4A99B879-8D16-B442-1C56-B78F3FD8921E}"/>
+              </a:ext>
+            </a:extLst>
+          </p:cNvPr>
+          <p:cNvGrpSpPr/>
+          <p:nvPr/>
+        </p:nvGrpSpPr>
+        <p:grpSpPr>
+          <a:xfrm>
+            <a:off x="228600" y="1660017"/>
+            <a:ext cx="8801100" cy="4333466"/>
+            <a:chOff x="228600" y="1660017"/>
+            <a:chExt cx="8801100" cy="4333466"/>
+          </a:xfrm>
+        </p:grpSpPr>
+        <p:pic>
+          <p:nvPicPr>
+            <p:cNvPr id="5" name="그림 4">
+              <a:extLst>
+                <a:ext uri="{FF2B5EF4-FFF2-40B4-BE49-F238E27FC236}">
+                  <a16:creationId xmlns:a16="http://schemas.microsoft.com/office/drawing/2014/main" id="{C0EAC93E-F33E-C75E-ED8D-903E7F700D99}"/>
+                </a:ext>
+              </a:extLst>
+            </p:cNvPr>
+            <p:cNvPicPr>
+              <a:picLocks noChangeAspect="1"/>
+            </p:cNvPicPr>
+            <p:nvPr/>
+          </p:nvPicPr>
+          <p:blipFill>
+            <a:blip r:embed="rId2">
+              <a:extLst>
+                <a:ext uri="{28A0092B-C50C-407E-A947-70E740481C1C}">
+                  <a14:useLocalDpi xmlns:a14="http://schemas.microsoft.com/office/drawing/2010/main" val="0"/>
+                </a:ext>
+              </a:extLst>
+            </a:blip>
+            <a:stretch>
+              <a:fillRect/>
+            </a:stretch>
+          </p:blipFill>
+          <p:spPr>
+            <a:xfrm>
+              <a:off x="6747568" y="3335637"/>
+              <a:ext cx="2205239" cy="2657846"/>
+            </a:xfrm>
+            <a:prstGeom prst="rect">
+              <a:avLst/>
+            </a:prstGeom>
+          </p:spPr>
+        </p:pic>
+        <p:cxnSp>
+          <p:nvCxnSpPr>
+            <p:cNvPr id="6" name="직선 화살표 연결선 5">
+              <a:extLst>
+                <a:ext uri="{FF2B5EF4-FFF2-40B4-BE49-F238E27FC236}">
+                  <a16:creationId xmlns:a16="http://schemas.microsoft.com/office/drawing/2014/main" id="{2BE2E023-1639-D5D6-725A-9C2C1D946ABD}"/>
+                </a:ext>
+              </a:extLst>
+            </p:cNvPr>
+            <p:cNvCxnSpPr>
+              <a:cxnSpLocks/>
+            </p:cNvCxnSpPr>
+            <p:nvPr/>
+          </p:nvCxnSpPr>
+          <p:spPr>
+            <a:xfrm>
+              <a:off x="4231315" y="2510042"/>
+              <a:ext cx="2857307" cy="1575820"/>
+            </a:xfrm>
+            <a:prstGeom prst="straightConnector1">
+              <a:avLst/>
+            </a:prstGeom>
+            <a:ln>
+              <a:solidFill>
+                <a:schemeClr val="tx1"/>
+              </a:solidFill>
+              <a:tailEnd type="triangle"/>
+            </a:ln>
+          </p:spPr>
+          <p:style>
+            <a:lnRef idx="1">
+              <a:schemeClr val="accent1"/>
+            </a:lnRef>
+            <a:fillRef idx="0">
+              <a:schemeClr val="accent1"/>
+            </a:fillRef>
+            <a:effectRef idx="0">
+              <a:schemeClr val="accent1"/>
+            </a:effectRef>
+            <a:fontRef idx="minor">
+              <a:schemeClr val="tx1"/>
+            </a:fontRef>
+          </p:style>
+        </p:cxnSp>
+        <p:pic>
+          <p:nvPicPr>
+            <p:cNvPr id="15" name="그림 14">
+              <a:extLst>
+                <a:ext uri="{FF2B5EF4-FFF2-40B4-BE49-F238E27FC236}">
+                  <a16:creationId xmlns:a16="http://schemas.microsoft.com/office/drawing/2014/main" id="{E3395AA0-3432-324E-E8C5-E97324406922}"/>
+                </a:ext>
+              </a:extLst>
+            </p:cNvPr>
+            <p:cNvPicPr>
+              <a:picLocks noChangeAspect="1"/>
+            </p:cNvPicPr>
+            <p:nvPr/>
+          </p:nvPicPr>
+          <p:blipFill>
+            <a:blip r:embed="rId3"/>
+            <a:stretch>
+              <a:fillRect/>
+            </a:stretch>
+          </p:blipFill>
+          <p:spPr>
+            <a:xfrm>
+              <a:off x="228600" y="1660017"/>
+              <a:ext cx="8801100" cy="860743"/>
+            </a:xfrm>
+            <a:prstGeom prst="rect">
+              <a:avLst/>
+            </a:prstGeom>
+          </p:spPr>
+        </p:pic>
+      </p:grpSp>
     </p:spTree>
     <p:extLst>
       <p:ext uri="{BB962C8B-B14F-4D97-AF65-F5344CB8AC3E}">
@@ -7431,7 +7427,7 @@
             <p:ph idx="1"/>
             <p:extLst>
               <p:ext uri="{D42A27DB-BD31-4B8C-83A1-F6EECF244321}">
-                <p14:modId xmlns:p14="http://schemas.microsoft.com/office/powerpoint/2010/main" val="820318482"/>
+                <p14:modId xmlns:p14="http://schemas.microsoft.com/office/powerpoint/2010/main" val="2086243944"/>
               </p:ext>
             </p:extLst>
           </p:nvPr>

--- a/class design(ver 1.2).pptx
+++ b/class design(ver 1.2).pptx
@@ -3276,10 +3276,10 @@
       </p:sp>
       <p:pic>
         <p:nvPicPr>
-          <p:cNvPr id="6" name="그림 5">
+          <p:cNvPr id="8" name="그림 7" descr="텍스트, 낱말맞추기게임, 점수판이(가) 표시된 사진&#10;&#10;자동 생성된 설명">
             <a:extLst>
               <a:ext uri="{FF2B5EF4-FFF2-40B4-BE49-F238E27FC236}">
-                <a16:creationId xmlns:a16="http://schemas.microsoft.com/office/drawing/2014/main" id="{CB39FA3C-6184-2804-D263-2F9FCDFEFA55}"/>
+                <a16:creationId xmlns:a16="http://schemas.microsoft.com/office/drawing/2014/main" id="{11EE9E76-F1E4-4644-7897-1E82E8E6ECAB}"/>
               </a:ext>
             </a:extLst>
           </p:cNvPr>
@@ -3302,8 +3302,8 @@
         </p:blipFill>
         <p:spPr>
           <a:xfrm>
-            <a:off x="169317" y="1402487"/>
-            <a:ext cx="8825214" cy="4840051"/>
+            <a:off x="169316" y="1281875"/>
+            <a:ext cx="8816421" cy="4995833"/>
           </a:xfrm>
           <a:prstGeom prst="rect">
             <a:avLst/>
@@ -4084,10 +4084,10 @@
       </p:sp>
       <p:grpSp>
         <p:nvGrpSpPr>
-          <p:cNvPr id="16" name="그룹 15">
+          <p:cNvPr id="9" name="그룹 8">
             <a:extLst>
               <a:ext uri="{FF2B5EF4-FFF2-40B4-BE49-F238E27FC236}">
-                <a16:creationId xmlns:a16="http://schemas.microsoft.com/office/drawing/2014/main" id="{4A99B879-8D16-B442-1C56-B78F3FD8921E}"/>
+                <a16:creationId xmlns:a16="http://schemas.microsoft.com/office/drawing/2014/main" id="{313BDDCE-8D86-EC7E-85F2-C75F0E4F0B1D}"/>
               </a:ext>
             </a:extLst>
           </p:cNvPr>
@@ -4096,10 +4096,10 @@
         </p:nvGrpSpPr>
         <p:grpSpPr>
           <a:xfrm>
-            <a:off x="228600" y="1660017"/>
-            <a:ext cx="8801100" cy="4333466"/>
-            <a:chOff x="228600" y="1660017"/>
-            <a:chExt cx="8801100" cy="4333466"/>
+            <a:off x="141318" y="1693555"/>
+            <a:ext cx="8897174" cy="4299928"/>
+            <a:chOff x="141318" y="1693555"/>
+            <a:chExt cx="8897174" cy="4299928"/>
           </a:xfrm>
         </p:grpSpPr>
         <p:pic>
@@ -4154,7 +4154,7 @@
           </p:nvCxnSpPr>
           <p:spPr>
             <a:xfrm>
-              <a:off x="4231315" y="2510042"/>
+              <a:off x="4231315" y="2488751"/>
               <a:ext cx="2857307" cy="1575820"/>
             </a:xfrm>
             <a:prstGeom prst="straightConnector1">
@@ -4184,10 +4184,10 @@
         </p:cxnSp>
         <p:pic>
           <p:nvPicPr>
-            <p:cNvPr id="15" name="그림 14">
+            <p:cNvPr id="8" name="그림 7">
               <a:extLst>
                 <a:ext uri="{FF2B5EF4-FFF2-40B4-BE49-F238E27FC236}">
-                  <a16:creationId xmlns:a16="http://schemas.microsoft.com/office/drawing/2014/main" id="{E3395AA0-3432-324E-E8C5-E97324406922}"/>
+                  <a16:creationId xmlns:a16="http://schemas.microsoft.com/office/drawing/2014/main" id="{BB9479FC-6A7F-62D4-DB0D-6BE0E4FB97FC}"/>
                 </a:ext>
               </a:extLst>
             </p:cNvPr>
@@ -4204,8 +4204,8 @@
           </p:blipFill>
           <p:spPr>
             <a:xfrm>
-              <a:off x="228600" y="1660017"/>
-              <a:ext cx="8801100" cy="860743"/>
+              <a:off x="141318" y="1693555"/>
+              <a:ext cx="8897174" cy="808585"/>
             </a:xfrm>
             <a:prstGeom prst="rect">
               <a:avLst/>
@@ -4287,42 +4287,12 @@
         </p:nvGrpSpPr>
         <p:grpSpPr>
           <a:xfrm>
-            <a:off x="509037" y="914378"/>
-            <a:ext cx="8468708" cy="5278604"/>
-            <a:chOff x="734582" y="1457227"/>
-            <a:chExt cx="10497298" cy="4979574"/>
+            <a:off x="3772356" y="2274782"/>
+            <a:ext cx="5205389" cy="3918200"/>
+            <a:chOff x="4779595" y="2740565"/>
+            <a:chExt cx="6452285" cy="3696236"/>
           </a:xfrm>
         </p:grpSpPr>
-        <p:pic>
-          <p:nvPicPr>
-            <p:cNvPr id="3" name="그림 2">
-              <a:extLst>
-                <a:ext uri="{FF2B5EF4-FFF2-40B4-BE49-F238E27FC236}">
-                  <a16:creationId xmlns:a16="http://schemas.microsoft.com/office/drawing/2014/main" id="{7CDC6758-98D0-E68E-5370-29F3ECBCFD75}"/>
-                </a:ext>
-              </a:extLst>
-            </p:cNvPr>
-            <p:cNvPicPr>
-              <a:picLocks noChangeAspect="1"/>
-            </p:cNvPicPr>
-            <p:nvPr/>
-          </p:nvPicPr>
-          <p:blipFill>
-            <a:blip r:embed="rId2"/>
-            <a:stretch>
-              <a:fillRect/>
-            </a:stretch>
-          </p:blipFill>
-          <p:spPr>
-            <a:xfrm>
-              <a:off x="734582" y="1457227"/>
-              <a:ext cx="10241280" cy="1367986"/>
-            </a:xfrm>
-            <a:prstGeom prst="rect">
-              <a:avLst/>
-            </a:prstGeom>
-          </p:spPr>
-        </p:pic>
         <p:pic>
           <p:nvPicPr>
             <p:cNvPr id="4" name="그림 3">
@@ -4338,7 +4308,7 @@
             <p:nvPr/>
           </p:nvPicPr>
           <p:blipFill>
-            <a:blip r:embed="rId3"/>
+            <a:blip r:embed="rId2"/>
             <a:stretch>
               <a:fillRect/>
             </a:stretch>
@@ -4368,7 +4338,7 @@
             <p:nvPr/>
           </p:nvPicPr>
           <p:blipFill>
-            <a:blip r:embed="rId4">
+            <a:blip r:embed="rId3">
               <a:extLst>
                 <a:ext uri="{28A0092B-C50C-407E-A947-70E740481C1C}">
                   <a14:useLocalDpi xmlns:a14="http://schemas.microsoft.com/office/drawing/2010/main" val="0"/>
@@ -4733,6 +4703,142 @@
               <a:t> </a:t>
             </a:r>
             <a:endParaRPr lang="ko-KR" altLang="en-US" dirty="0"/>
+          </a:p>
+        </p:txBody>
+      </p:sp>
+      <p:pic>
+        <p:nvPicPr>
+          <p:cNvPr id="12" name="그림 11">
+            <a:extLst>
+              <a:ext uri="{FF2B5EF4-FFF2-40B4-BE49-F238E27FC236}">
+                <a16:creationId xmlns:a16="http://schemas.microsoft.com/office/drawing/2014/main" id="{32191D72-B664-FC07-30CA-0A2BDBAA4997}"/>
+              </a:ext>
+            </a:extLst>
+          </p:cNvPr>
+          <p:cNvPicPr>
+            <a:picLocks noChangeAspect="1"/>
+          </p:cNvPicPr>
+          <p:nvPr/>
+        </p:nvPicPr>
+        <p:blipFill>
+          <a:blip r:embed="rId4"/>
+          <a:stretch>
+            <a:fillRect/>
+          </a:stretch>
+        </p:blipFill>
+        <p:spPr>
+          <a:xfrm>
+            <a:off x="215723" y="1323928"/>
+            <a:ext cx="8801439" cy="983411"/>
+          </a:xfrm>
+          <a:prstGeom prst="rect">
+            <a:avLst/>
+          </a:prstGeom>
+        </p:spPr>
+      </p:pic>
+      <p:sp>
+        <p:nvSpPr>
+          <p:cNvPr id="13" name="TextBox 12">
+            <a:extLst>
+              <a:ext uri="{FF2B5EF4-FFF2-40B4-BE49-F238E27FC236}">
+                <a16:creationId xmlns:a16="http://schemas.microsoft.com/office/drawing/2014/main" id="{99E2DCA8-6F6A-303F-CE97-58E0925986C6}"/>
+              </a:ext>
+            </a:extLst>
+          </p:cNvPr>
+          <p:cNvSpPr txBox="1"/>
+          <p:nvPr/>
+        </p:nvSpPr>
+        <p:spPr>
+          <a:xfrm>
+            <a:off x="73183" y="864517"/>
+            <a:ext cx="5317481" cy="461665"/>
+          </a:xfrm>
+          <a:prstGeom prst="rect">
+            <a:avLst/>
+          </a:prstGeom>
+          <a:noFill/>
+        </p:spPr>
+        <p:txBody>
+          <a:bodyPr wrap="none" rtlCol="0">
+            <a:spAutoFit/>
+          </a:bodyPr>
+          <a:lstStyle/>
+          <a:p>
+            <a:r>
+              <a:rPr lang="en-US" altLang="ko-KR" sz="2400" spc="-300" dirty="0">
+                <a:solidFill>
+                  <a:schemeClr val="tx1">
+                    <a:lumMod val="85000"/>
+                    <a:lumOff val="15000"/>
+                  </a:schemeClr>
+                </a:solidFill>
+                <a:latin typeface="이순신 돋움체 B" panose="02020603020101020101" pitchFamily="18" charset="-127"/>
+                <a:ea typeface="이순신 돋움체 B" panose="02020603020101020101" pitchFamily="18" charset="-127"/>
+              </a:rPr>
+              <a:t>2.</a:t>
+            </a:r>
+            <a:r>
+              <a:rPr lang="ko-KR" altLang="en-US" sz="2400" spc="-300" dirty="0">
+                <a:solidFill>
+                  <a:schemeClr val="tx1">
+                    <a:lumMod val="85000"/>
+                    <a:lumOff val="15000"/>
+                  </a:schemeClr>
+                </a:solidFill>
+                <a:latin typeface="이순신 돋움체 B" panose="02020603020101020101" pitchFamily="18" charset="-127"/>
+                <a:ea typeface="이순신 돋움체 B" panose="02020603020101020101" pitchFamily="18" charset="-127"/>
+              </a:rPr>
+              <a:t> 클래스 다이어그램</a:t>
+            </a:r>
+            <a:r>
+              <a:rPr lang="en-US" altLang="ko-KR" sz="2400" spc="-300" dirty="0">
+                <a:solidFill>
+                  <a:schemeClr val="tx1">
+                    <a:lumMod val="85000"/>
+                    <a:lumOff val="15000"/>
+                  </a:schemeClr>
+                </a:solidFill>
+                <a:latin typeface="이순신 돋움체 B" panose="02020603020101020101" pitchFamily="18" charset="-127"/>
+                <a:ea typeface="이순신 돋움체 B" panose="02020603020101020101" pitchFamily="18" charset="-127"/>
+              </a:rPr>
+              <a:t>(</a:t>
+            </a:r>
+            <a:r>
+              <a:rPr lang="ko-KR" altLang="en-US" sz="2400" spc="-300" dirty="0">
+                <a:solidFill>
+                  <a:schemeClr val="tx1">
+                    <a:lumMod val="85000"/>
+                    <a:lumOff val="15000"/>
+                  </a:schemeClr>
+                </a:solidFill>
+                <a:latin typeface="이순신 돋움체 B" panose="02020603020101020101" pitchFamily="18" charset="-127"/>
+                <a:ea typeface="이순신 돋움체 B" panose="02020603020101020101" pitchFamily="18" charset="-127"/>
+              </a:rPr>
+              <a:t>의상 분류 관련클래스</a:t>
+            </a:r>
+            <a:r>
+              <a:rPr lang="en-US" altLang="ko-KR" sz="2400" spc="-300" dirty="0">
+                <a:solidFill>
+                  <a:schemeClr val="tx1">
+                    <a:lumMod val="85000"/>
+                    <a:lumOff val="15000"/>
+                  </a:schemeClr>
+                </a:solidFill>
+                <a:latin typeface="이순신 돋움체 B" panose="02020603020101020101" pitchFamily="18" charset="-127"/>
+                <a:ea typeface="이순신 돋움체 B" panose="02020603020101020101" pitchFamily="18" charset="-127"/>
+              </a:rPr>
+              <a:t>)</a:t>
+            </a:r>
+            <a:endParaRPr lang="ko-KR" altLang="en-US" sz="2400" spc="-300" dirty="0">
+              <a:solidFill>
+                <a:schemeClr val="tx1">
+                  <a:lumMod val="85000"/>
+                  <a:lumOff val="15000"/>
+                </a:schemeClr>
+              </a:solidFill>
+              <a:latin typeface="이순신 돋움체 B" panose="02020603020101020101" pitchFamily="18" charset="-127"/>
+              <a:ea typeface="이순신 돋움체 B" panose="02020603020101020101" pitchFamily="18" charset="-127"/>
+            </a:endParaRPr>
           </a:p>
         </p:txBody>
       </p:sp>
@@ -5603,208 +5709,187 @@
           </a:p>
         </p:txBody>
       </p:sp>
-      <p:grpSp>
-        <p:nvGrpSpPr>
-          <p:cNvPr id="10" name="그룹 9">
+      <p:pic>
+        <p:nvPicPr>
+          <p:cNvPr id="4" name="그림 3">
             <a:extLst>
               <a:ext uri="{FF2B5EF4-FFF2-40B4-BE49-F238E27FC236}">
-                <a16:creationId xmlns:a16="http://schemas.microsoft.com/office/drawing/2014/main" id="{BB19CF82-AB75-2ACF-E03D-5BFCE87743FD}"/>
+                <a16:creationId xmlns:a16="http://schemas.microsoft.com/office/drawing/2014/main" id="{33FF32F4-19B9-12C1-16CE-29BA8C77D8AF}"/>
               </a:ext>
             </a:extLst>
           </p:cNvPr>
-          <p:cNvGrpSpPr/>
+          <p:cNvPicPr>
+            <a:picLocks noChangeAspect="1"/>
+          </p:cNvPicPr>
           <p:nvPr/>
-        </p:nvGrpSpPr>
-        <p:grpSpPr>
+        </p:nvPicPr>
+        <p:blipFill>
+          <a:blip r:embed="rId2">
+            <a:extLst>
+              <a:ext uri="{28A0092B-C50C-407E-A947-70E740481C1C}">
+                <a14:useLocalDpi xmlns:a14="http://schemas.microsoft.com/office/drawing/2010/main" val="0"/>
+              </a:ext>
+            </a:extLst>
+          </a:blip>
+          <a:stretch>
+            <a:fillRect/>
+          </a:stretch>
+        </p:blipFill>
+        <p:spPr>
           <a:xfrm>
-            <a:off x="571500" y="1274376"/>
-            <a:ext cx="8348056" cy="4901980"/>
-            <a:chOff x="571500" y="1274376"/>
-            <a:chExt cx="11196062" cy="3907310"/>
+            <a:off x="5673628" y="3863558"/>
+            <a:ext cx="1482950" cy="2312798"/>
           </a:xfrm>
-        </p:grpSpPr>
-        <p:pic>
-          <p:nvPicPr>
-            <p:cNvPr id="4" name="그림 3">
-              <a:extLst>
-                <a:ext uri="{FF2B5EF4-FFF2-40B4-BE49-F238E27FC236}">
-                  <a16:creationId xmlns:a16="http://schemas.microsoft.com/office/drawing/2014/main" id="{33FF32F4-19B9-12C1-16CE-29BA8C77D8AF}"/>
-                </a:ext>
-              </a:extLst>
-            </p:cNvPr>
-            <p:cNvPicPr>
-              <a:picLocks noChangeAspect="1"/>
-            </p:cNvPicPr>
-            <p:nvPr/>
-          </p:nvPicPr>
-          <p:blipFill>
-            <a:blip r:embed="rId2">
-              <a:extLst>
-                <a:ext uri="{28A0092B-C50C-407E-A947-70E740481C1C}">
-                  <a14:useLocalDpi xmlns:a14="http://schemas.microsoft.com/office/drawing/2010/main" val="0"/>
-                </a:ext>
-              </a:extLst>
-            </a:blip>
-            <a:stretch>
-              <a:fillRect/>
-            </a:stretch>
-          </p:blipFill>
-          <p:spPr>
-            <a:xfrm>
-              <a:off x="7414260" y="3338182"/>
-              <a:ext cx="1988870" cy="1843504"/>
-            </a:xfrm>
-            <a:prstGeom prst="rect">
-              <a:avLst/>
-            </a:prstGeom>
-          </p:spPr>
-        </p:pic>
-        <p:pic>
-          <p:nvPicPr>
-            <p:cNvPr id="6" name="그림 5">
-              <a:extLst>
-                <a:ext uri="{FF2B5EF4-FFF2-40B4-BE49-F238E27FC236}">
-                  <a16:creationId xmlns:a16="http://schemas.microsoft.com/office/drawing/2014/main" id="{83091C4D-6E3F-6EEF-D2DF-A673D5B3D848}"/>
-                </a:ext>
-              </a:extLst>
-            </p:cNvPr>
-            <p:cNvPicPr>
-              <a:picLocks noChangeAspect="1"/>
-            </p:cNvPicPr>
-            <p:nvPr/>
-          </p:nvPicPr>
-          <p:blipFill>
-            <a:blip r:embed="rId3"/>
-            <a:stretch>
-              <a:fillRect/>
-            </a:stretch>
-          </p:blipFill>
-          <p:spPr>
-            <a:xfrm>
-              <a:off x="7284720" y="1274376"/>
-              <a:ext cx="4482842" cy="1818164"/>
-            </a:xfrm>
-            <a:prstGeom prst="rect">
-              <a:avLst/>
-            </a:prstGeom>
-          </p:spPr>
-        </p:pic>
-        <p:cxnSp>
-          <p:nvCxnSpPr>
-            <p:cNvPr id="7" name="직선 화살표 연결선 6">
-              <a:extLst>
-                <a:ext uri="{FF2B5EF4-FFF2-40B4-BE49-F238E27FC236}">
-                  <a16:creationId xmlns:a16="http://schemas.microsoft.com/office/drawing/2014/main" id="{ACD06BD8-4C11-C0BF-79F1-4C9601B093AF}"/>
-                </a:ext>
-              </a:extLst>
-            </p:cNvPr>
-            <p:cNvCxnSpPr>
-              <a:cxnSpLocks/>
-            </p:cNvCxnSpPr>
-            <p:nvPr/>
-          </p:nvCxnSpPr>
-          <p:spPr>
-            <a:xfrm>
-              <a:off x="7033260" y="2022992"/>
-              <a:ext cx="381000" cy="0"/>
-            </a:xfrm>
-            <a:prstGeom prst="straightConnector1">
-              <a:avLst/>
-            </a:prstGeom>
-            <a:ln>
-              <a:solidFill>
-                <a:schemeClr val="tx1"/>
-              </a:solidFill>
-              <a:tailEnd type="triangle"/>
-            </a:ln>
-          </p:spPr>
-          <p:style>
-            <a:lnRef idx="1">
-              <a:schemeClr val="accent1"/>
-            </a:lnRef>
-            <a:fillRef idx="0">
-              <a:schemeClr val="accent1"/>
-            </a:fillRef>
-            <a:effectRef idx="0">
-              <a:schemeClr val="accent1"/>
-            </a:effectRef>
-            <a:fontRef idx="minor">
+          <a:prstGeom prst="rect">
+            <a:avLst/>
+          </a:prstGeom>
+        </p:spPr>
+      </p:pic>
+      <p:pic>
+        <p:nvPicPr>
+          <p:cNvPr id="6" name="그림 5">
+            <a:extLst>
+              <a:ext uri="{FF2B5EF4-FFF2-40B4-BE49-F238E27FC236}">
+                <a16:creationId xmlns:a16="http://schemas.microsoft.com/office/drawing/2014/main" id="{83091C4D-6E3F-6EEF-D2DF-A673D5B3D848}"/>
+              </a:ext>
+            </a:extLst>
+          </p:cNvPr>
+          <p:cNvPicPr>
+            <a:picLocks noChangeAspect="1"/>
+          </p:cNvPicPr>
+          <p:nvPr/>
+        </p:nvPicPr>
+        <p:blipFill>
+          <a:blip r:embed="rId3"/>
+          <a:stretch>
+            <a:fillRect/>
+          </a:stretch>
+        </p:blipFill>
+        <p:spPr>
+          <a:xfrm>
+            <a:off x="5577040" y="1274376"/>
+            <a:ext cx="3342516" cy="2281008"/>
+          </a:xfrm>
+          <a:prstGeom prst="rect">
+            <a:avLst/>
+          </a:prstGeom>
+        </p:spPr>
+      </p:pic>
+      <p:cxnSp>
+        <p:nvCxnSpPr>
+          <p:cNvPr id="7" name="직선 화살표 연결선 6">
+            <a:extLst>
+              <a:ext uri="{FF2B5EF4-FFF2-40B4-BE49-F238E27FC236}">
+                <a16:creationId xmlns:a16="http://schemas.microsoft.com/office/drawing/2014/main" id="{ACD06BD8-4C11-C0BF-79F1-4C9601B093AF}"/>
+              </a:ext>
+            </a:extLst>
+          </p:cNvPr>
+          <p:cNvCxnSpPr>
+            <a:cxnSpLocks/>
+          </p:cNvCxnSpPr>
+          <p:nvPr/>
+        </p:nvCxnSpPr>
+        <p:spPr>
+          <a:xfrm>
+            <a:off x="5389545" y="2213565"/>
+            <a:ext cx="284083" cy="0"/>
+          </a:xfrm>
+          <a:prstGeom prst="straightConnector1">
+            <a:avLst/>
+          </a:prstGeom>
+          <a:ln>
+            <a:solidFill>
               <a:schemeClr val="tx1"/>
-            </a:fontRef>
-          </p:style>
-        </p:cxnSp>
-        <p:cxnSp>
-          <p:nvCxnSpPr>
-            <p:cNvPr id="8" name="직선 화살표 연결선 7">
-              <a:extLst>
-                <a:ext uri="{FF2B5EF4-FFF2-40B4-BE49-F238E27FC236}">
-                  <a16:creationId xmlns:a16="http://schemas.microsoft.com/office/drawing/2014/main" id="{44DECC63-9380-0F40-1527-E586C226108C}"/>
-                </a:ext>
-              </a:extLst>
-            </p:cNvPr>
-            <p:cNvCxnSpPr>
-              <a:cxnSpLocks/>
-            </p:cNvCxnSpPr>
-            <p:nvPr/>
-          </p:nvCxnSpPr>
-          <p:spPr>
-            <a:xfrm>
-              <a:off x="6096000" y="2331720"/>
-              <a:ext cx="1715771" cy="1433741"/>
-            </a:xfrm>
-            <a:prstGeom prst="straightConnector1">
-              <a:avLst/>
-            </a:prstGeom>
-            <a:ln>
-              <a:tailEnd type="triangle"/>
-            </a:ln>
-          </p:spPr>
-          <p:style>
-            <a:lnRef idx="1">
-              <a:schemeClr val="dk1"/>
-            </a:lnRef>
-            <a:fillRef idx="0">
-              <a:schemeClr val="dk1"/>
-            </a:fillRef>
-            <a:effectRef idx="0">
-              <a:schemeClr val="dk1"/>
-            </a:effectRef>
-            <a:fontRef idx="minor">
-              <a:schemeClr val="tx1"/>
-            </a:fontRef>
-          </p:style>
-        </p:cxnSp>
-        <p:pic>
-          <p:nvPicPr>
-            <p:cNvPr id="9" name="그림 8">
-              <a:extLst>
-                <a:ext uri="{FF2B5EF4-FFF2-40B4-BE49-F238E27FC236}">
-                  <a16:creationId xmlns:a16="http://schemas.microsoft.com/office/drawing/2014/main" id="{70C0575E-5826-1624-D888-A9B58566887A}"/>
-                </a:ext>
-              </a:extLst>
-            </p:cNvPr>
-            <p:cNvPicPr>
-              <a:picLocks noChangeAspect="1"/>
-            </p:cNvPicPr>
-            <p:nvPr/>
-          </p:nvPicPr>
-          <p:blipFill>
-            <a:blip r:embed="rId4"/>
-            <a:stretch>
-              <a:fillRect/>
-            </a:stretch>
-          </p:blipFill>
-          <p:spPr>
-            <a:xfrm>
-              <a:off x="571500" y="1514124"/>
-              <a:ext cx="6652260" cy="895350"/>
-            </a:xfrm>
-            <a:prstGeom prst="rect">
-              <a:avLst/>
-            </a:prstGeom>
-          </p:spPr>
-        </p:pic>
-      </p:grpSp>
+            </a:solidFill>
+            <a:tailEnd type="triangle"/>
+          </a:ln>
+        </p:spPr>
+        <p:style>
+          <a:lnRef idx="1">
+            <a:schemeClr val="accent1"/>
+          </a:lnRef>
+          <a:fillRef idx="0">
+            <a:schemeClr val="accent1"/>
+          </a:fillRef>
+          <a:effectRef idx="0">
+            <a:schemeClr val="accent1"/>
+          </a:effectRef>
+          <a:fontRef idx="minor">
+            <a:schemeClr val="tx1"/>
+          </a:fontRef>
+        </p:style>
+      </p:cxnSp>
+      <p:cxnSp>
+        <p:nvCxnSpPr>
+          <p:cNvPr id="8" name="직선 화살표 연결선 7">
+            <a:extLst>
+              <a:ext uri="{FF2B5EF4-FFF2-40B4-BE49-F238E27FC236}">
+                <a16:creationId xmlns:a16="http://schemas.microsoft.com/office/drawing/2014/main" id="{44DECC63-9380-0F40-1527-E586C226108C}"/>
+              </a:ext>
+            </a:extLst>
+          </p:cNvPr>
+          <p:cNvCxnSpPr>
+            <a:cxnSpLocks/>
+          </p:cNvCxnSpPr>
+          <p:nvPr/>
+        </p:nvCxnSpPr>
+        <p:spPr>
+          <a:xfrm>
+            <a:off x="4690701" y="2600884"/>
+            <a:ext cx="1279321" cy="1798723"/>
+          </a:xfrm>
+          <a:prstGeom prst="straightConnector1">
+            <a:avLst/>
+          </a:prstGeom>
+          <a:ln>
+            <a:tailEnd type="triangle"/>
+          </a:ln>
+        </p:spPr>
+        <p:style>
+          <a:lnRef idx="1">
+            <a:schemeClr val="dk1"/>
+          </a:lnRef>
+          <a:fillRef idx="0">
+            <a:schemeClr val="dk1"/>
+          </a:fillRef>
+          <a:effectRef idx="0">
+            <a:schemeClr val="dk1"/>
+          </a:effectRef>
+          <a:fontRef idx="minor">
+            <a:schemeClr val="tx1"/>
+          </a:fontRef>
+        </p:style>
+      </p:cxnSp>
+      <p:pic>
+        <p:nvPicPr>
+          <p:cNvPr id="12" name="그림 11">
+            <a:extLst>
+              <a:ext uri="{FF2B5EF4-FFF2-40B4-BE49-F238E27FC236}">
+                <a16:creationId xmlns:a16="http://schemas.microsoft.com/office/drawing/2014/main" id="{583FAA20-1271-A3A8-1452-8BD1FCD00EF2}"/>
+              </a:ext>
+            </a:extLst>
+          </p:cNvPr>
+          <p:cNvPicPr>
+            <a:picLocks noChangeAspect="1"/>
+          </p:cNvPicPr>
+          <p:nvPr/>
+        </p:nvPicPr>
+        <p:blipFill>
+          <a:blip r:embed="rId4"/>
+          <a:stretch>
+            <a:fillRect/>
+          </a:stretch>
+        </p:blipFill>
+        <p:spPr>
+          <a:xfrm>
+            <a:off x="144380" y="1751602"/>
+            <a:ext cx="5245166" cy="923925"/>
+          </a:xfrm>
+          <a:prstGeom prst="rect">
+            <a:avLst/>
+          </a:prstGeom>
+        </p:spPr>
+      </p:pic>
     </p:spTree>
     <p:extLst>
       <p:ext uri="{BB962C8B-B14F-4D97-AF65-F5344CB8AC3E}">
@@ -7062,285 +7147,264 @@
           </a:p>
         </p:txBody>
       </p:sp>
-      <p:grpSp>
-        <p:nvGrpSpPr>
-          <p:cNvPr id="12" name="그룹 11">
+      <p:pic>
+        <p:nvPicPr>
+          <p:cNvPr id="4" name="그림 3">
             <a:extLst>
               <a:ext uri="{FF2B5EF4-FFF2-40B4-BE49-F238E27FC236}">
-                <a16:creationId xmlns:a16="http://schemas.microsoft.com/office/drawing/2014/main" id="{E4A0DAE8-BE99-A600-899A-F01E3950BE50}"/>
+                <a16:creationId xmlns:a16="http://schemas.microsoft.com/office/drawing/2014/main" id="{B8F31DEE-4507-D2C8-A182-C82915AB5C84}"/>
               </a:ext>
             </a:extLst>
           </p:cNvPr>
-          <p:cNvGrpSpPr/>
+          <p:cNvPicPr>
+            <a:picLocks noChangeAspect="1"/>
+          </p:cNvPicPr>
           <p:nvPr/>
-        </p:nvGrpSpPr>
-        <p:grpSpPr>
+        </p:nvPicPr>
+        <p:blipFill>
+          <a:blip r:embed="rId2">
+            <a:extLst>
+              <a:ext uri="{28A0092B-C50C-407E-A947-70E740481C1C}">
+                <a14:useLocalDpi xmlns:a14="http://schemas.microsoft.com/office/drawing/2010/main" val="0"/>
+              </a:ext>
+            </a:extLst>
+          </a:blip>
+          <a:stretch>
+            <a:fillRect/>
+          </a:stretch>
+        </p:blipFill>
+        <p:spPr>
           <a:xfrm>
-            <a:off x="116378" y="1205346"/>
-            <a:ext cx="8861367" cy="4995950"/>
-            <a:chOff x="734582" y="1514279"/>
-            <a:chExt cx="11114518" cy="4922522"/>
+            <a:off x="7258446" y="4330293"/>
+            <a:ext cx="1585683" cy="1871003"/>
           </a:xfrm>
-        </p:grpSpPr>
-        <p:pic>
-          <p:nvPicPr>
-            <p:cNvPr id="4" name="그림 3">
-              <a:extLst>
-                <a:ext uri="{FF2B5EF4-FFF2-40B4-BE49-F238E27FC236}">
-                  <a16:creationId xmlns:a16="http://schemas.microsoft.com/office/drawing/2014/main" id="{B8F31DEE-4507-D2C8-A182-C82915AB5C84}"/>
-                </a:ext>
-              </a:extLst>
-            </p:cNvPr>
-            <p:cNvPicPr>
-              <a:picLocks noChangeAspect="1"/>
-            </p:cNvPicPr>
-            <p:nvPr/>
-          </p:nvPicPr>
-          <p:blipFill>
-            <a:blip r:embed="rId2">
-              <a:extLst>
-                <a:ext uri="{28A0092B-C50C-407E-A947-70E740481C1C}">
-                  <a14:useLocalDpi xmlns:a14="http://schemas.microsoft.com/office/drawing/2010/main" val="0"/>
-                </a:ext>
-              </a:extLst>
-            </a:blip>
-            <a:stretch>
-              <a:fillRect/>
-            </a:stretch>
-          </p:blipFill>
-          <p:spPr>
-            <a:xfrm>
-              <a:off x="9692640" y="4593297"/>
-              <a:ext cx="1988870" cy="1843504"/>
-            </a:xfrm>
-            <a:prstGeom prst="rect">
-              <a:avLst/>
-            </a:prstGeom>
-          </p:spPr>
-        </p:pic>
-        <p:pic>
-          <p:nvPicPr>
-            <p:cNvPr id="6" name="그림 5">
-              <a:extLst>
-                <a:ext uri="{FF2B5EF4-FFF2-40B4-BE49-F238E27FC236}">
-                  <a16:creationId xmlns:a16="http://schemas.microsoft.com/office/drawing/2014/main" id="{30D9990F-2FC2-6678-833B-0C9418F13CB8}"/>
-                </a:ext>
-              </a:extLst>
-            </p:cNvPr>
-            <p:cNvPicPr>
-              <a:picLocks noChangeAspect="1"/>
-            </p:cNvPicPr>
-            <p:nvPr/>
-          </p:nvPicPr>
-          <p:blipFill>
-            <a:blip r:embed="rId3"/>
-            <a:stretch>
-              <a:fillRect/>
-            </a:stretch>
-          </p:blipFill>
-          <p:spPr>
-            <a:xfrm>
-              <a:off x="7536180" y="1514279"/>
-              <a:ext cx="4312920" cy="1500848"/>
-            </a:xfrm>
-            <a:prstGeom prst="rect">
-              <a:avLst/>
-            </a:prstGeom>
-          </p:spPr>
-        </p:pic>
-        <p:pic>
-          <p:nvPicPr>
-            <p:cNvPr id="7" name="그림 6">
-              <a:extLst>
-                <a:ext uri="{FF2B5EF4-FFF2-40B4-BE49-F238E27FC236}">
-                  <a16:creationId xmlns:a16="http://schemas.microsoft.com/office/drawing/2014/main" id="{E745CAF3-9E74-E007-3B91-1F5D0FD1FDF7}"/>
-                </a:ext>
-              </a:extLst>
-            </p:cNvPr>
-            <p:cNvPicPr>
-              <a:picLocks noChangeAspect="1"/>
-            </p:cNvPicPr>
-            <p:nvPr/>
-          </p:nvPicPr>
-          <p:blipFill>
-            <a:blip r:embed="rId4"/>
-            <a:stretch>
-              <a:fillRect/>
-            </a:stretch>
-          </p:blipFill>
-          <p:spPr>
-            <a:xfrm>
-              <a:off x="734582" y="1632739"/>
-              <a:ext cx="5389245" cy="1181100"/>
-            </a:xfrm>
-            <a:prstGeom prst="rect">
-              <a:avLst/>
-            </a:prstGeom>
-          </p:spPr>
-        </p:pic>
-        <p:pic>
-          <p:nvPicPr>
-            <p:cNvPr id="8" name="그림 7">
-              <a:extLst>
-                <a:ext uri="{FF2B5EF4-FFF2-40B4-BE49-F238E27FC236}">
-                  <a16:creationId xmlns:a16="http://schemas.microsoft.com/office/drawing/2014/main" id="{60EE14E4-B831-FBD1-5FE1-6766AFC3503C}"/>
-                </a:ext>
-              </a:extLst>
-            </p:cNvPr>
-            <p:cNvPicPr>
-              <a:picLocks noChangeAspect="1"/>
-            </p:cNvPicPr>
-            <p:nvPr/>
-          </p:nvPicPr>
-          <p:blipFill>
-            <a:blip r:embed="rId5"/>
-            <a:stretch>
-              <a:fillRect/>
-            </a:stretch>
-          </p:blipFill>
-          <p:spPr>
-            <a:xfrm>
-              <a:off x="7536180" y="3015127"/>
-              <a:ext cx="4312920" cy="1081088"/>
-            </a:xfrm>
-            <a:prstGeom prst="rect">
-              <a:avLst/>
-            </a:prstGeom>
-          </p:spPr>
-        </p:pic>
-        <p:cxnSp>
-          <p:nvCxnSpPr>
-            <p:cNvPr id="9" name="직선 화살표 연결선 8">
-              <a:extLst>
-                <a:ext uri="{FF2B5EF4-FFF2-40B4-BE49-F238E27FC236}">
-                  <a16:creationId xmlns:a16="http://schemas.microsoft.com/office/drawing/2014/main" id="{0C6F49B5-BD94-1A90-BFDC-0225818D5BA8}"/>
-                </a:ext>
-              </a:extLst>
-            </p:cNvPr>
-            <p:cNvCxnSpPr>
-              <a:stCxn id="7" idx="3"/>
-            </p:cNvCxnSpPr>
-            <p:nvPr/>
-          </p:nvCxnSpPr>
-          <p:spPr>
-            <a:xfrm>
-              <a:off x="6123827" y="2223289"/>
-              <a:ext cx="1503793" cy="0"/>
-            </a:xfrm>
-            <a:prstGeom prst="straightConnector1">
-              <a:avLst/>
-            </a:prstGeom>
-            <a:ln>
-              <a:solidFill>
-                <a:schemeClr val="tx1"/>
-              </a:solidFill>
-              <a:tailEnd type="triangle"/>
-            </a:ln>
-          </p:spPr>
-          <p:style>
-            <a:lnRef idx="1">
-              <a:schemeClr val="accent1"/>
-            </a:lnRef>
-            <a:fillRef idx="0">
-              <a:schemeClr val="accent1"/>
-            </a:fillRef>
-            <a:effectRef idx="0">
-              <a:schemeClr val="accent1"/>
-            </a:effectRef>
-            <a:fontRef idx="minor">
+          <a:prstGeom prst="rect">
+            <a:avLst/>
+          </a:prstGeom>
+        </p:spPr>
+      </p:pic>
+      <p:pic>
+        <p:nvPicPr>
+          <p:cNvPr id="6" name="그림 5">
+            <a:extLst>
+              <a:ext uri="{FF2B5EF4-FFF2-40B4-BE49-F238E27FC236}">
+                <a16:creationId xmlns:a16="http://schemas.microsoft.com/office/drawing/2014/main" id="{30D9990F-2FC2-6678-833B-0C9418F13CB8}"/>
+              </a:ext>
+            </a:extLst>
+          </p:cNvPr>
+          <p:cNvPicPr>
+            <a:picLocks noChangeAspect="1"/>
+          </p:cNvPicPr>
+          <p:nvPr/>
+        </p:nvPicPr>
+        <p:blipFill>
+          <a:blip r:embed="rId3"/>
+          <a:stretch>
+            <a:fillRect/>
+          </a:stretch>
+        </p:blipFill>
+        <p:spPr>
+          <a:xfrm>
+            <a:off x="5539146" y="1205346"/>
+            <a:ext cx="3438599" cy="1523236"/>
+          </a:xfrm>
+          <a:prstGeom prst="rect">
+            <a:avLst/>
+          </a:prstGeom>
+        </p:spPr>
+      </p:pic>
+      <p:pic>
+        <p:nvPicPr>
+          <p:cNvPr id="8" name="그림 7">
+            <a:extLst>
+              <a:ext uri="{FF2B5EF4-FFF2-40B4-BE49-F238E27FC236}">
+                <a16:creationId xmlns:a16="http://schemas.microsoft.com/office/drawing/2014/main" id="{60EE14E4-B831-FBD1-5FE1-6766AFC3503C}"/>
+              </a:ext>
+            </a:extLst>
+          </p:cNvPr>
+          <p:cNvPicPr>
+            <a:picLocks noChangeAspect="1"/>
+          </p:cNvPicPr>
+          <p:nvPr/>
+        </p:nvPicPr>
+        <p:blipFill>
+          <a:blip r:embed="rId4"/>
+          <a:stretch>
+            <a:fillRect/>
+          </a:stretch>
+        </p:blipFill>
+        <p:spPr>
+          <a:xfrm>
+            <a:off x="5539146" y="2728582"/>
+            <a:ext cx="3438599" cy="1097214"/>
+          </a:xfrm>
+          <a:prstGeom prst="rect">
+            <a:avLst/>
+          </a:prstGeom>
+        </p:spPr>
+      </p:pic>
+      <p:cxnSp>
+        <p:nvCxnSpPr>
+          <p:cNvPr id="9" name="직선 화살표 연결선 8">
+            <a:extLst>
+              <a:ext uri="{FF2B5EF4-FFF2-40B4-BE49-F238E27FC236}">
+                <a16:creationId xmlns:a16="http://schemas.microsoft.com/office/drawing/2014/main" id="{0C6F49B5-BD94-1A90-BFDC-0225818D5BA8}"/>
+              </a:ext>
+            </a:extLst>
+          </p:cNvPr>
+          <p:cNvCxnSpPr>
+            <a:cxnSpLocks/>
+          </p:cNvCxnSpPr>
+          <p:nvPr/>
+        </p:nvCxnSpPr>
+        <p:spPr>
+          <a:xfrm>
+            <a:off x="4413108" y="1924932"/>
+            <a:ext cx="1198942" cy="0"/>
+          </a:xfrm>
+          <a:prstGeom prst="straightConnector1">
+            <a:avLst/>
+          </a:prstGeom>
+          <a:ln>
+            <a:solidFill>
               <a:schemeClr val="tx1"/>
-            </a:fontRef>
-          </p:style>
-        </p:cxnSp>
-        <p:cxnSp>
-          <p:nvCxnSpPr>
-            <p:cNvPr id="10" name="직선 화살표 연결선 9">
-              <a:extLst>
-                <a:ext uri="{FF2B5EF4-FFF2-40B4-BE49-F238E27FC236}">
-                  <a16:creationId xmlns:a16="http://schemas.microsoft.com/office/drawing/2014/main" id="{D5D45217-F854-CB03-4778-D62083E673B2}"/>
-                </a:ext>
-              </a:extLst>
-            </p:cNvPr>
-            <p:cNvCxnSpPr/>
-            <p:nvPr/>
-          </p:nvCxnSpPr>
-          <p:spPr>
-            <a:xfrm>
-              <a:off x="6096000" y="2682240"/>
-              <a:ext cx="1485900" cy="487680"/>
-            </a:xfrm>
-            <a:prstGeom prst="straightConnector1">
-              <a:avLst/>
-            </a:prstGeom>
-            <a:ln>
-              <a:solidFill>
-                <a:schemeClr val="tx1"/>
-              </a:solidFill>
-              <a:tailEnd type="triangle"/>
-            </a:ln>
-          </p:spPr>
-          <p:style>
-            <a:lnRef idx="1">
-              <a:schemeClr val="accent1"/>
-            </a:lnRef>
-            <a:fillRef idx="0">
-              <a:schemeClr val="accent1"/>
-            </a:fillRef>
-            <a:effectRef idx="0">
-              <a:schemeClr val="accent1"/>
-            </a:effectRef>
-            <a:fontRef idx="minor">
+            </a:solidFill>
+            <a:tailEnd type="triangle"/>
+          </a:ln>
+        </p:spPr>
+        <p:style>
+          <a:lnRef idx="1">
+            <a:schemeClr val="accent1"/>
+          </a:lnRef>
+          <a:fillRef idx="0">
+            <a:schemeClr val="accent1"/>
+          </a:fillRef>
+          <a:effectRef idx="0">
+            <a:schemeClr val="accent1"/>
+          </a:effectRef>
+          <a:fontRef idx="minor">
+            <a:schemeClr val="tx1"/>
+          </a:fontRef>
+        </p:style>
+      </p:cxnSp>
+      <p:cxnSp>
+        <p:nvCxnSpPr>
+          <p:cNvPr id="10" name="직선 화살표 연결선 9">
+            <a:extLst>
+              <a:ext uri="{FF2B5EF4-FFF2-40B4-BE49-F238E27FC236}">
+                <a16:creationId xmlns:a16="http://schemas.microsoft.com/office/drawing/2014/main" id="{D5D45217-F854-CB03-4778-D62083E673B2}"/>
+              </a:ext>
+            </a:extLst>
+          </p:cNvPr>
+          <p:cNvCxnSpPr/>
+          <p:nvPr/>
+        </p:nvCxnSpPr>
+        <p:spPr>
+          <a:xfrm>
+            <a:off x="4390922" y="2390729"/>
+            <a:ext cx="1184676" cy="494955"/>
+          </a:xfrm>
+          <a:prstGeom prst="straightConnector1">
+            <a:avLst/>
+          </a:prstGeom>
+          <a:ln>
+            <a:solidFill>
               <a:schemeClr val="tx1"/>
-            </a:fontRef>
-          </p:style>
-        </p:cxnSp>
-        <p:cxnSp>
-          <p:nvCxnSpPr>
-            <p:cNvPr id="11" name="연결선: 꺾임 10">
-              <a:extLst>
-                <a:ext uri="{FF2B5EF4-FFF2-40B4-BE49-F238E27FC236}">
-                  <a16:creationId xmlns:a16="http://schemas.microsoft.com/office/drawing/2014/main" id="{EE5C6486-0D62-B29C-26D4-E14BD4DC708E}"/>
-                </a:ext>
-              </a:extLst>
-            </p:cNvPr>
-            <p:cNvCxnSpPr>
-              <a:cxnSpLocks/>
-            </p:cNvCxnSpPr>
-            <p:nvPr/>
-          </p:nvCxnSpPr>
-          <p:spPr>
-            <a:xfrm>
-              <a:off x="6096000" y="2642511"/>
-              <a:ext cx="3596640" cy="2701210"/>
-            </a:xfrm>
-            <a:prstGeom prst="bentConnector3">
-              <a:avLst>
-                <a:gd name="adj1" fmla="val 35805"/>
-              </a:avLst>
-            </a:prstGeom>
-            <a:ln>
-              <a:solidFill>
-                <a:schemeClr val="tx1"/>
-              </a:solidFill>
-              <a:tailEnd type="triangle"/>
-            </a:ln>
-          </p:spPr>
-          <p:style>
-            <a:lnRef idx="1">
-              <a:schemeClr val="accent1"/>
-            </a:lnRef>
-            <a:fillRef idx="0">
-              <a:schemeClr val="accent1"/>
-            </a:fillRef>
-            <a:effectRef idx="0">
-              <a:schemeClr val="accent1"/>
-            </a:effectRef>
-            <a:fontRef idx="minor">
+            </a:solidFill>
+            <a:tailEnd type="triangle"/>
+          </a:ln>
+        </p:spPr>
+        <p:style>
+          <a:lnRef idx="1">
+            <a:schemeClr val="accent1"/>
+          </a:lnRef>
+          <a:fillRef idx="0">
+            <a:schemeClr val="accent1"/>
+          </a:fillRef>
+          <a:effectRef idx="0">
+            <a:schemeClr val="accent1"/>
+          </a:effectRef>
+          <a:fontRef idx="minor">
+            <a:schemeClr val="tx1"/>
+          </a:fontRef>
+        </p:style>
+      </p:cxnSp>
+      <p:cxnSp>
+        <p:nvCxnSpPr>
+          <p:cNvPr id="11" name="연결선: 꺾임 10">
+            <a:extLst>
+              <a:ext uri="{FF2B5EF4-FFF2-40B4-BE49-F238E27FC236}">
+                <a16:creationId xmlns:a16="http://schemas.microsoft.com/office/drawing/2014/main" id="{EE5C6486-0D62-B29C-26D4-E14BD4DC708E}"/>
+              </a:ext>
+            </a:extLst>
+          </p:cNvPr>
+          <p:cNvCxnSpPr>
+            <a:cxnSpLocks/>
+          </p:cNvCxnSpPr>
+          <p:nvPr/>
+        </p:nvCxnSpPr>
+        <p:spPr>
+          <a:xfrm>
+            <a:off x="4390922" y="2350408"/>
+            <a:ext cx="2867524" cy="2741503"/>
+          </a:xfrm>
+          <a:prstGeom prst="bentConnector3">
+            <a:avLst>
+              <a:gd name="adj1" fmla="val 35805"/>
+            </a:avLst>
+          </a:prstGeom>
+          <a:ln>
+            <a:solidFill>
               <a:schemeClr val="tx1"/>
-            </a:fontRef>
-          </p:style>
-        </p:cxnSp>
-      </p:grpSp>
+            </a:solidFill>
+            <a:tailEnd type="triangle"/>
+          </a:ln>
+        </p:spPr>
+        <p:style>
+          <a:lnRef idx="1">
+            <a:schemeClr val="accent1"/>
+          </a:lnRef>
+          <a:fillRef idx="0">
+            <a:schemeClr val="accent1"/>
+          </a:fillRef>
+          <a:effectRef idx="0">
+            <a:schemeClr val="accent1"/>
+          </a:effectRef>
+          <a:fontRef idx="minor">
+            <a:schemeClr val="tx1"/>
+          </a:fontRef>
+        </p:style>
+      </p:cxnSp>
+      <p:pic>
+        <p:nvPicPr>
+          <p:cNvPr id="14" name="그림 13">
+            <a:extLst>
+              <a:ext uri="{FF2B5EF4-FFF2-40B4-BE49-F238E27FC236}">
+                <a16:creationId xmlns:a16="http://schemas.microsoft.com/office/drawing/2014/main" id="{2D8FA741-1309-08A0-9BE7-A8655036D8E0}"/>
+              </a:ext>
+            </a:extLst>
+          </p:cNvPr>
+          <p:cNvPicPr>
+            <a:picLocks noChangeAspect="1"/>
+          </p:cNvPicPr>
+          <p:nvPr/>
+        </p:nvPicPr>
+        <p:blipFill>
+          <a:blip r:embed="rId5"/>
+          <a:stretch>
+            <a:fillRect/>
+          </a:stretch>
+        </p:blipFill>
+        <p:spPr>
+          <a:xfrm>
+            <a:off x="228600" y="1604271"/>
+            <a:ext cx="4255477" cy="1066800"/>
+          </a:xfrm>
+          <a:prstGeom prst="rect">
+            <a:avLst/>
+          </a:prstGeom>
+        </p:spPr>
+      </p:pic>
     </p:spTree>
     <p:extLst>
       <p:ext uri="{BB962C8B-B14F-4D97-AF65-F5344CB8AC3E}">

--- a/class design(ver 1.2).pptx
+++ b/class design(ver 1.2).pptx
@@ -3979,7 +3979,7 @@
         <p:spPr>
           <a:xfrm>
             <a:off x="141318" y="4433593"/>
-            <a:ext cx="6500552" cy="1292662"/>
+            <a:ext cx="6500552" cy="1538883"/>
           </a:xfrm>
           <a:prstGeom prst="rect">
             <a:avLst/>
@@ -4036,7 +4036,7 @@
             </a:r>
             <a:r>
               <a:rPr lang="ko-KR" altLang="en-US" sz="1600" dirty="0"/>
-              <a:t> 기능을 제공하는 클래스이다</a:t>
+              <a:t> 기능 및 닉네임 중복 여부 체크 기능을 제공하는 클래스이다</a:t>
             </a:r>
             <a:r>
               <a:rPr lang="en-US" altLang="ko-KR" sz="1600" dirty="0"/>
@@ -4082,137 +4082,116 @@
           </a:p>
         </p:txBody>
       </p:sp>
-      <p:grpSp>
-        <p:nvGrpSpPr>
-          <p:cNvPr id="9" name="그룹 8">
+      <p:pic>
+        <p:nvPicPr>
+          <p:cNvPr id="5" name="그림 4">
             <a:extLst>
               <a:ext uri="{FF2B5EF4-FFF2-40B4-BE49-F238E27FC236}">
-                <a16:creationId xmlns:a16="http://schemas.microsoft.com/office/drawing/2014/main" id="{313BDDCE-8D86-EC7E-85F2-C75F0E4F0B1D}"/>
+                <a16:creationId xmlns:a16="http://schemas.microsoft.com/office/drawing/2014/main" id="{C0EAC93E-F33E-C75E-ED8D-903E7F700D99}"/>
               </a:ext>
             </a:extLst>
           </p:cNvPr>
-          <p:cNvGrpSpPr/>
+          <p:cNvPicPr>
+            <a:picLocks noChangeAspect="1"/>
+          </p:cNvPicPr>
           <p:nvPr/>
-        </p:nvGrpSpPr>
-        <p:grpSpPr>
+        </p:nvPicPr>
+        <p:blipFill>
+          <a:blip r:embed="rId2">
+            <a:extLst>
+              <a:ext uri="{28A0092B-C50C-407E-A947-70E740481C1C}">
+                <a14:useLocalDpi xmlns:a14="http://schemas.microsoft.com/office/drawing/2010/main" val="0"/>
+              </a:ext>
+            </a:extLst>
+          </a:blip>
+          <a:stretch>
+            <a:fillRect/>
+          </a:stretch>
+        </p:blipFill>
+        <p:spPr>
           <a:xfrm>
-            <a:off x="141318" y="1693555"/>
-            <a:ext cx="8897174" cy="4299928"/>
-            <a:chOff x="141318" y="1693555"/>
-            <a:chExt cx="8897174" cy="4299928"/>
+            <a:off x="6747568" y="3335637"/>
+            <a:ext cx="2205239" cy="2657846"/>
           </a:xfrm>
-        </p:grpSpPr>
-        <p:pic>
-          <p:nvPicPr>
-            <p:cNvPr id="5" name="그림 4">
-              <a:extLst>
-                <a:ext uri="{FF2B5EF4-FFF2-40B4-BE49-F238E27FC236}">
-                  <a16:creationId xmlns:a16="http://schemas.microsoft.com/office/drawing/2014/main" id="{C0EAC93E-F33E-C75E-ED8D-903E7F700D99}"/>
-                </a:ext>
-              </a:extLst>
-            </p:cNvPr>
-            <p:cNvPicPr>
-              <a:picLocks noChangeAspect="1"/>
-            </p:cNvPicPr>
-            <p:nvPr/>
-          </p:nvPicPr>
-          <p:blipFill>
-            <a:blip r:embed="rId2">
-              <a:extLst>
-                <a:ext uri="{28A0092B-C50C-407E-A947-70E740481C1C}">
-                  <a14:useLocalDpi xmlns:a14="http://schemas.microsoft.com/office/drawing/2010/main" val="0"/>
-                </a:ext>
-              </a:extLst>
-            </a:blip>
-            <a:stretch>
-              <a:fillRect/>
-            </a:stretch>
-          </p:blipFill>
-          <p:spPr>
-            <a:xfrm>
-              <a:off x="6747568" y="3335637"/>
-              <a:ext cx="2205239" cy="2657846"/>
-            </a:xfrm>
-            <a:prstGeom prst="rect">
-              <a:avLst/>
-            </a:prstGeom>
-          </p:spPr>
-        </p:pic>
-        <p:cxnSp>
-          <p:nvCxnSpPr>
-            <p:cNvPr id="6" name="직선 화살표 연결선 5">
-              <a:extLst>
-                <a:ext uri="{FF2B5EF4-FFF2-40B4-BE49-F238E27FC236}">
-                  <a16:creationId xmlns:a16="http://schemas.microsoft.com/office/drawing/2014/main" id="{2BE2E023-1639-D5D6-725A-9C2C1D946ABD}"/>
-                </a:ext>
-              </a:extLst>
-            </p:cNvPr>
-            <p:cNvCxnSpPr>
-              <a:cxnSpLocks/>
-            </p:cNvCxnSpPr>
-            <p:nvPr/>
-          </p:nvCxnSpPr>
-          <p:spPr>
-            <a:xfrm>
-              <a:off x="4231315" y="2488751"/>
-              <a:ext cx="2857307" cy="1575820"/>
-            </a:xfrm>
-            <a:prstGeom prst="straightConnector1">
-              <a:avLst/>
-            </a:prstGeom>
-            <a:ln>
-              <a:solidFill>
-                <a:schemeClr val="tx1"/>
-              </a:solidFill>
-              <a:tailEnd type="triangle"/>
-            </a:ln>
-          </p:spPr>
-          <p:style>
-            <a:lnRef idx="1">
-              <a:schemeClr val="accent1"/>
-            </a:lnRef>
-            <a:fillRef idx="0">
-              <a:schemeClr val="accent1"/>
-            </a:fillRef>
-            <a:effectRef idx="0">
-              <a:schemeClr val="accent1"/>
-            </a:effectRef>
-            <a:fontRef idx="minor">
+          <a:prstGeom prst="rect">
+            <a:avLst/>
+          </a:prstGeom>
+        </p:spPr>
+      </p:pic>
+      <p:cxnSp>
+        <p:nvCxnSpPr>
+          <p:cNvPr id="6" name="직선 화살표 연결선 5">
+            <a:extLst>
+              <a:ext uri="{FF2B5EF4-FFF2-40B4-BE49-F238E27FC236}">
+                <a16:creationId xmlns:a16="http://schemas.microsoft.com/office/drawing/2014/main" id="{2BE2E023-1639-D5D6-725A-9C2C1D946ABD}"/>
+              </a:ext>
+            </a:extLst>
+          </p:cNvPr>
+          <p:cNvCxnSpPr>
+            <a:cxnSpLocks/>
+          </p:cNvCxnSpPr>
+          <p:nvPr/>
+        </p:nvCxnSpPr>
+        <p:spPr>
+          <a:xfrm>
+            <a:off x="4152184" y="2475234"/>
+            <a:ext cx="2969585" cy="1575820"/>
+          </a:xfrm>
+          <a:prstGeom prst="straightConnector1">
+            <a:avLst/>
+          </a:prstGeom>
+          <a:ln>
+            <a:solidFill>
               <a:schemeClr val="tx1"/>
-            </a:fontRef>
-          </p:style>
-        </p:cxnSp>
-        <p:pic>
-          <p:nvPicPr>
-            <p:cNvPr id="8" name="그림 7">
-              <a:extLst>
-                <a:ext uri="{FF2B5EF4-FFF2-40B4-BE49-F238E27FC236}">
-                  <a16:creationId xmlns:a16="http://schemas.microsoft.com/office/drawing/2014/main" id="{BB9479FC-6A7F-62D4-DB0D-6BE0E4FB97FC}"/>
-                </a:ext>
-              </a:extLst>
-            </p:cNvPr>
-            <p:cNvPicPr>
-              <a:picLocks noChangeAspect="1"/>
-            </p:cNvPicPr>
-            <p:nvPr/>
-          </p:nvPicPr>
-          <p:blipFill>
-            <a:blip r:embed="rId3"/>
-            <a:stretch>
-              <a:fillRect/>
-            </a:stretch>
-          </p:blipFill>
-          <p:spPr>
-            <a:xfrm>
-              <a:off x="141318" y="1693555"/>
-              <a:ext cx="8897174" cy="808585"/>
-            </a:xfrm>
-            <a:prstGeom prst="rect">
-              <a:avLst/>
-            </a:prstGeom>
-          </p:spPr>
-        </p:pic>
-      </p:grpSp>
+            </a:solidFill>
+            <a:tailEnd type="triangle"/>
+          </a:ln>
+        </p:spPr>
+        <p:style>
+          <a:lnRef idx="1">
+            <a:schemeClr val="accent1"/>
+          </a:lnRef>
+          <a:fillRef idx="0">
+            <a:schemeClr val="accent1"/>
+          </a:fillRef>
+          <a:effectRef idx="0">
+            <a:schemeClr val="accent1"/>
+          </a:effectRef>
+          <a:fontRef idx="minor">
+            <a:schemeClr val="tx1"/>
+          </a:fontRef>
+        </p:style>
+      </p:cxnSp>
+      <p:pic>
+        <p:nvPicPr>
+          <p:cNvPr id="10" name="그림 9">
+            <a:extLst>
+              <a:ext uri="{FF2B5EF4-FFF2-40B4-BE49-F238E27FC236}">
+                <a16:creationId xmlns:a16="http://schemas.microsoft.com/office/drawing/2014/main" id="{C4A9C69B-DA93-D308-8413-6483BD00F052}"/>
+              </a:ext>
+            </a:extLst>
+          </p:cNvPr>
+          <p:cNvPicPr>
+            <a:picLocks noChangeAspect="1"/>
+          </p:cNvPicPr>
+          <p:nvPr/>
+        </p:nvPicPr>
+        <p:blipFill>
+          <a:blip r:embed="rId3"/>
+          <a:stretch>
+            <a:fillRect/>
+          </a:stretch>
+        </p:blipFill>
+        <p:spPr>
+          <a:xfrm>
+            <a:off x="166255" y="1649082"/>
+            <a:ext cx="8811489" cy="941294"/>
+          </a:xfrm>
+          <a:prstGeom prst="rect">
+            <a:avLst/>
+          </a:prstGeom>
+        </p:spPr>
+      </p:pic>
     </p:spTree>
     <p:extLst>
       <p:ext uri="{BB962C8B-B14F-4D97-AF65-F5344CB8AC3E}">
